--- a/SolidJS.pptx
+++ b/SolidJS.pptx
@@ -12,8 +12,9 @@
     <p:sldId id="262" r:id="rId6"/>
     <p:sldId id="261" r:id="rId7"/>
     <p:sldId id="263" r:id="rId8"/>
-    <p:sldId id="264" r:id="rId9"/>
-    <p:sldId id="265" r:id="rId10"/>
+    <p:sldId id="266" r:id="rId9"/>
+    <p:sldId id="264" r:id="rId10"/>
+    <p:sldId id="265" r:id="rId11"/>
   </p:sldIdLst>
   <p:sldSz cx="12192000" cy="6858000"/>
   <p:notesSz cx="6858000" cy="9144000"/>
@@ -112,6 +113,11 @@
       </a:defRPr>
     </a:lvl9pPr>
   </p:defaultTextStyle>
+  <p:extLst>
+    <p:ext uri="{EFAFB233-063F-42B5-8137-9DF3F51BA10A}">
+      <p15:sldGuideLst xmlns:p15="http://schemas.microsoft.com/office/powerpoint/2012/main"/>
+    </p:ext>
+  </p:extLst>
 </p:presentation>
 </file>
 
@@ -3949,6 +3955,316 @@
 </p:sld>
 </file>
 
+<file path=ppt/slides/slide10.xml><?xml version="1.0" encoding="utf-8"?>
+<p:sld xmlns:a="http://schemas.openxmlformats.org/drawingml/2006/main" xmlns:r="http://schemas.openxmlformats.org/officeDocument/2006/relationships" xmlns:p="http://schemas.openxmlformats.org/presentationml/2006/main">
+  <p:cSld>
+    <p:bg>
+      <p:bgPr>
+        <a:solidFill>
+          <a:schemeClr val="bg1"/>
+        </a:solidFill>
+        <a:effectLst/>
+      </p:bgPr>
+    </p:bg>
+    <p:spTree>
+      <p:nvGrpSpPr>
+        <p:cNvPr id="1" name=""/>
+        <p:cNvGrpSpPr/>
+        <p:nvPr/>
+      </p:nvGrpSpPr>
+      <p:grpSpPr>
+        <a:xfrm>
+          <a:off x="0" y="0"/>
+          <a:ext cx="0" cy="0"/>
+          <a:chOff x="0" y="0"/>
+          <a:chExt cx="0" cy="0"/>
+        </a:xfrm>
+      </p:grpSpPr>
+      <p:sp>
+        <p:nvSpPr>
+          <p:cNvPr id="2" name="Title 1">
+            <a:extLst>
+              <a:ext uri="{FF2B5EF4-FFF2-40B4-BE49-F238E27FC236}">
+                <a16:creationId xmlns:a16="http://schemas.microsoft.com/office/drawing/2014/main" id="{C69CC28B-9C91-60D8-27E4-D4F1313772CF}"/>
+              </a:ext>
+            </a:extLst>
+          </p:cNvPr>
+          <p:cNvSpPr>
+            <a:spLocks noGrp="1"/>
+          </p:cNvSpPr>
+          <p:nvPr>
+            <p:ph type="title"/>
+          </p:nvPr>
+        </p:nvSpPr>
+        <p:spPr>
+          <a:xfrm>
+            <a:off x="4965430" y="629268"/>
+            <a:ext cx="6586491" cy="1286160"/>
+          </a:xfrm>
+        </p:spPr>
+        <p:txBody>
+          <a:bodyPr anchor="b">
+            <a:normAutofit/>
+          </a:bodyPr>
+          <a:lstStyle/>
+          <a:p>
+            <a:r>
+              <a:rPr lang="en-US" dirty="0" err="1"/>
+              <a:t>SolidStart</a:t>
+            </a:r>
+            <a:endParaRPr lang="en-US" dirty="0"/>
+          </a:p>
+        </p:txBody>
+      </p:sp>
+      <p:sp>
+        <p:nvSpPr>
+          <p:cNvPr id="3" name="Content Placeholder 2">
+            <a:extLst>
+              <a:ext uri="{FF2B5EF4-FFF2-40B4-BE49-F238E27FC236}">
+                <a16:creationId xmlns:a16="http://schemas.microsoft.com/office/drawing/2014/main" id="{61EB4D94-68DC-E8B8-7AF1-8A840AA4AFFA}"/>
+              </a:ext>
+            </a:extLst>
+          </p:cNvPr>
+          <p:cNvSpPr>
+            <a:spLocks noGrp="1"/>
+          </p:cNvSpPr>
+          <p:nvPr>
+            <p:ph idx="1"/>
+          </p:nvPr>
+        </p:nvSpPr>
+        <p:spPr>
+          <a:xfrm>
+            <a:off x="4965431" y="2438400"/>
+            <a:ext cx="6586489" cy="3785419"/>
+          </a:xfrm>
+        </p:spPr>
+        <p:txBody>
+          <a:bodyPr>
+            <a:normAutofit/>
+          </a:bodyPr>
+          <a:lstStyle/>
+          <a:p>
+            <a:pPr>
+              <a:buFont typeface="Arial" panose="020B0604020202020204" pitchFamily="34" charset="0"/>
+              <a:buChar char="•"/>
+            </a:pPr>
+            <a:r>
+              <a:rPr lang="en-IE" sz="1600" dirty="0"/>
+              <a:t>Fine-grained reactivity. Since </a:t>
+            </a:r>
+            <a:r>
+              <a:rPr lang="en-IE" sz="1600" dirty="0" err="1"/>
+              <a:t>SolidStart</a:t>
+            </a:r>
+            <a:r>
+              <a:rPr lang="en-IE" sz="1600" dirty="0"/>
+              <a:t> is a </a:t>
+            </a:r>
+            <a:r>
+              <a:rPr lang="en-IE" sz="1600" dirty="0" err="1"/>
+              <a:t>SolidJS</a:t>
+            </a:r>
+            <a:r>
+              <a:rPr lang="en-IE" sz="1600" dirty="0"/>
+              <a:t> meta-framework, it benefits from the fine-grained reactivity offered by </a:t>
+            </a:r>
+            <a:r>
+              <a:rPr lang="en-IE" sz="1600" dirty="0" err="1"/>
+              <a:t>SolidJS</a:t>
+            </a:r>
+            <a:r>
+              <a:rPr lang="en-IE" sz="1600" dirty="0"/>
+              <a:t>.</a:t>
+            </a:r>
+          </a:p>
+          <a:p>
+            <a:pPr>
+              <a:buFont typeface="Arial" panose="020B0604020202020204" pitchFamily="34" charset="0"/>
+              <a:buChar char="•"/>
+            </a:pPr>
+            <a:r>
+              <a:rPr lang="en-IE" sz="1600" dirty="0"/>
+              <a:t>Isomorphic, nested routing. You write the same routes regardless of whether the page is rendered on the client or server. Route nesting provides parent-child relationships that simplify application logic.</a:t>
+            </a:r>
+          </a:p>
+          <a:p>
+            <a:pPr>
+              <a:buFont typeface="Arial" panose="020B0604020202020204" pitchFamily="34" charset="0"/>
+              <a:buChar char="•"/>
+            </a:pPr>
+            <a:r>
+              <a:rPr lang="en-IE" sz="1600" dirty="0"/>
+              <a:t>Multiple rendering modes. </a:t>
+            </a:r>
+            <a:r>
+              <a:rPr lang="en-IE" sz="1600" dirty="0" err="1"/>
+              <a:t>SolidStart</a:t>
+            </a:r>
+            <a:r>
+              <a:rPr lang="en-IE" sz="1600" dirty="0"/>
+              <a:t> can be used to create CSR, SSR, streaming SSR, or SSG applications.</a:t>
+            </a:r>
+          </a:p>
+          <a:p>
+            <a:pPr>
+              <a:buFont typeface="Arial" panose="020B0604020202020204" pitchFamily="34" charset="0"/>
+              <a:buChar char="•"/>
+            </a:pPr>
+            <a:r>
+              <a:rPr lang="en-IE" sz="1600" dirty="0"/>
+              <a:t>Command Line Interface (CLI) and templates. Get up and running quickly with starters.</a:t>
+            </a:r>
+          </a:p>
+          <a:p>
+            <a:pPr>
+              <a:buFont typeface="Arial" panose="020B0604020202020204" pitchFamily="34" charset="0"/>
+              <a:buChar char="•"/>
+            </a:pPr>
+            <a:r>
+              <a:rPr lang="en-IE" sz="1600" dirty="0"/>
+              <a:t>Deployment adapters. </a:t>
+            </a:r>
+            <a:r>
+              <a:rPr lang="en-IE" sz="1600" dirty="0" err="1"/>
+              <a:t>SolidStart</a:t>
+            </a:r>
+            <a:r>
+              <a:rPr lang="en-IE" sz="1600" dirty="0"/>
+              <a:t> provides adapters to support deployment to your </a:t>
+            </a:r>
+            <a:r>
+              <a:rPr lang="en-IE" sz="1600" dirty="0" err="1"/>
+              <a:t>favorite</a:t>
+            </a:r>
+            <a:r>
+              <a:rPr lang="en-IE" sz="1600" dirty="0"/>
+              <a:t> platform—Netlify, </a:t>
+            </a:r>
+            <a:r>
+              <a:rPr lang="en-IE" sz="1600" dirty="0" err="1"/>
+              <a:t>Vercel</a:t>
+            </a:r>
+            <a:r>
+              <a:rPr lang="en-IE" sz="1600" dirty="0"/>
+              <a:t>, AWS, and Cloudflare, to name a few.</a:t>
+            </a:r>
+          </a:p>
+          <a:p>
+            <a:endParaRPr lang="en-US" sz="1600" dirty="0"/>
+          </a:p>
+        </p:txBody>
+      </p:sp>
+      <p:pic>
+        <p:nvPicPr>
+          <p:cNvPr id="4" name="Picture 2" descr="Cartoon Whale Images - Free Download on Freepik">
+            <a:extLst>
+              <a:ext uri="{FF2B5EF4-FFF2-40B4-BE49-F238E27FC236}">
+                <a16:creationId xmlns:a16="http://schemas.microsoft.com/office/drawing/2014/main" id="{FAA69EAC-7087-CA30-7518-24AE8B26DB47}"/>
+              </a:ext>
+            </a:extLst>
+          </p:cNvPr>
+          <p:cNvPicPr>
+            <a:picLocks noChangeAspect="1" noChangeArrowheads="1"/>
+          </p:cNvPicPr>
+          <p:nvPr/>
+        </p:nvPicPr>
+        <p:blipFill rotWithShape="1">
+          <a:blip r:embed="rId2">
+            <a:extLst>
+              <a:ext uri="{28A0092B-C50C-407E-A947-70E740481C1C}">
+                <a14:useLocalDpi xmlns:a14="http://schemas.microsoft.com/office/drawing/2010/main" val="0"/>
+              </a:ext>
+            </a:extLst>
+          </a:blip>
+          <a:srcRect l="16203" r="16203"/>
+          <a:stretch/>
+        </p:blipFill>
+        <p:spPr bwMode="auto">
+          <a:xfrm>
+            <a:off x="20" y="10"/>
+            <a:ext cx="4635571" cy="6857990"/>
+          </a:xfrm>
+          <a:prstGeom prst="rect">
+            <a:avLst/>
+          </a:prstGeom>
+          <a:noFill/>
+          <a:effectLst/>
+          <a:extLst>
+            <a:ext uri="{909E8E84-426E-40DD-AFC4-6F175D3DCCD1}">
+              <a14:hiddenFill xmlns:a14="http://schemas.microsoft.com/office/drawing/2010/main">
+                <a:solidFill>
+                  <a:srgbClr val="FFFFFF"/>
+                </a:solidFill>
+              </a14:hiddenFill>
+            </a:ext>
+          </a:extLst>
+        </p:spPr>
+      </p:pic>
+      <p:cxnSp>
+        <p:nvCxnSpPr>
+          <p:cNvPr id="9" name="Straight Connector 8">
+            <a:extLst>
+              <a:ext uri="{FF2B5EF4-FFF2-40B4-BE49-F238E27FC236}">
+                <a16:creationId xmlns:a16="http://schemas.microsoft.com/office/drawing/2014/main" id="{A7F400EE-A8A5-48AF-B4D6-291B52C6F0B0}"/>
+              </a:ext>
+              <a:ext uri="{C183D7F6-B498-43B3-948B-1728B52AA6E4}">
+                <adec:decorative xmlns:adec="http://schemas.microsoft.com/office/drawing/2017/decorative" val="1"/>
+              </a:ext>
+            </a:extLst>
+          </p:cNvPr>
+          <p:cNvCxnSpPr>
+            <a:cxnSpLocks noGrp="1" noRot="1" noChangeAspect="1" noMove="1" noResize="1" noEditPoints="1" noAdjustHandles="1" noChangeArrowheads="1" noChangeShapeType="1"/>
+          </p:cNvCxnSpPr>
+          <p:nvPr>
+            <p:extLst>
+              <p:ext uri="{386F3935-93C4-4BCD-93E2-E3B085C9AB24}">
+                <p16:designElem xmlns:p16="http://schemas.microsoft.com/office/powerpoint/2015/main" val="1"/>
+              </p:ext>
+            </p:extLst>
+          </p:nvPr>
+        </p:nvCxnSpPr>
+        <p:spPr>
+          <a:xfrm>
+            <a:off x="5080934" y="2115117"/>
+            <a:ext cx="6309360" cy="0"/>
+          </a:xfrm>
+          <a:prstGeom prst="line">
+            <a:avLst/>
+          </a:prstGeom>
+          <a:ln w="19050">
+            <a:solidFill>
+              <a:srgbClr val="FF1F85"/>
+            </a:solidFill>
+          </a:ln>
+        </p:spPr>
+        <p:style>
+          <a:lnRef idx="1">
+            <a:schemeClr val="accent1"/>
+          </a:lnRef>
+          <a:fillRef idx="0">
+            <a:schemeClr val="accent1"/>
+          </a:fillRef>
+          <a:effectRef idx="0">
+            <a:schemeClr val="accent1"/>
+          </a:effectRef>
+          <a:fontRef idx="minor">
+            <a:schemeClr val="tx1"/>
+          </a:fontRef>
+        </p:style>
+      </p:cxnSp>
+    </p:spTree>
+    <p:extLst>
+      <p:ext uri="{BB962C8B-B14F-4D97-AF65-F5344CB8AC3E}">
+        <p14:creationId xmlns:p14="http://schemas.microsoft.com/office/powerpoint/2010/main" val="3594967397"/>
+      </p:ext>
+    </p:extLst>
+  </p:cSld>
+  <p:clrMapOvr>
+    <a:masterClrMapping/>
+  </p:clrMapOvr>
+</p:sld>
+</file>
+
 <file path=ppt/slides/slide2.xml><?xml version="1.0" encoding="utf-8"?>
 <p:sld xmlns:a="http://schemas.openxmlformats.org/drawingml/2006/main" xmlns:r="http://schemas.openxmlformats.org/officeDocument/2006/relationships" xmlns:p="http://schemas.openxmlformats.org/presentationml/2006/main">
   <p:cSld>
@@ -5595,7 +5911,7 @@
           <p:cNvPr id="2" name="Title 1">
             <a:extLst>
               <a:ext uri="{FF2B5EF4-FFF2-40B4-BE49-F238E27FC236}">
-                <a16:creationId xmlns:a16="http://schemas.microsoft.com/office/drawing/2014/main" id="{8F04C085-AB70-6822-347E-F3AEB79839A1}"/>
+                <a16:creationId xmlns:a16="http://schemas.microsoft.com/office/drawing/2014/main" id="{4DB178CF-853F-8391-0698-44D2D47CD318}"/>
               </a:ext>
             </a:extLst>
           </p:cNvPr>
@@ -5612,114 +5928,79 @@
           <a:lstStyle/>
           <a:p>
             <a:r>
-              <a:rPr lang="en-US" dirty="0"/>
-              <a:t>Links</a:t>
-            </a:r>
-          </a:p>
-        </p:txBody>
-      </p:sp>
-      <p:sp>
-        <p:nvSpPr>
-          <p:cNvPr id="3" name="Content Placeholder 2">
-            <a:extLst>
-              <a:ext uri="{FF2B5EF4-FFF2-40B4-BE49-F238E27FC236}">
-                <a16:creationId xmlns:a16="http://schemas.microsoft.com/office/drawing/2014/main" id="{82C58CF6-5080-9497-99A2-B285D258CB91}"/>
-              </a:ext>
-            </a:extLst>
-          </p:cNvPr>
-          <p:cNvSpPr>
-            <a:spLocks noGrp="1"/>
-          </p:cNvSpPr>
-          <p:nvPr>
-            <p:ph idx="1"/>
-          </p:nvPr>
-        </p:nvSpPr>
-        <p:spPr/>
-        <p:txBody>
-          <a:bodyPr/>
-          <a:lstStyle/>
-          <a:p>
-            <a:r>
-              <a:rPr lang="en-US" dirty="0" err="1"/>
-              <a:t>Vite</a:t>
-            </a:r>
-            <a:endParaRPr lang="en-US" dirty="0"/>
-          </a:p>
-          <a:p>
-            <a:pPr lvl="1"/>
-            <a:r>
-              <a:rPr lang="en-US" dirty="0">
-                <a:hlinkClick r:id="rId2"/>
-              </a:rPr>
-              <a:t>https://vitejs.dev/</a:t>
-            </a:r>
-            <a:endParaRPr lang="en-US" dirty="0"/>
-          </a:p>
-          <a:p>
-            <a:pPr lvl="1"/>
-            <a:r>
-              <a:rPr lang="en-US" dirty="0">
-                <a:hlinkClick r:id="rId3"/>
-              </a:rPr>
-              <a:t>https://vitejs.dev/guide/why.html</a:t>
-            </a:r>
-            <a:endParaRPr lang="en-US" dirty="0"/>
-          </a:p>
-          <a:p>
-            <a:r>
-              <a:rPr lang="en-US" dirty="0" err="1"/>
-              <a:t>SolidJS</a:t>
-            </a:r>
-            <a:endParaRPr lang="en-US" dirty="0"/>
-          </a:p>
-          <a:p>
-            <a:pPr lvl="1"/>
-            <a:r>
-              <a:rPr lang="en-US" dirty="0">
-                <a:hlinkClick r:id="rId4"/>
-              </a:rPr>
-              <a:t>https://www.solidjs.com/</a:t>
-            </a:r>
-            <a:endParaRPr lang="en-US" dirty="0"/>
-          </a:p>
-          <a:p>
-            <a:r>
-              <a:rPr lang="en-US" dirty="0" err="1"/>
-              <a:t>SolidStart</a:t>
-            </a:r>
-            <a:endParaRPr lang="en-US" dirty="0"/>
-          </a:p>
-          <a:p>
-            <a:pPr lvl="1"/>
-            <a:r>
-              <a:rPr lang="en-US" dirty="0"/>
-              <a:t>https://</a:t>
-            </a:r>
-            <a:r>
-              <a:rPr lang="en-US" dirty="0" err="1"/>
-              <a:t>start.solidjs.com</a:t>
-            </a:r>
-            <a:r>
-              <a:rPr lang="en-US" dirty="0"/>
-              <a:t>/getting-started/what-is-</a:t>
-            </a:r>
-            <a:r>
-              <a:rPr lang="en-US" dirty="0" err="1"/>
-              <a:t>solidstart</a:t>
-            </a:r>
-            <a:endParaRPr lang="en-US" dirty="0"/>
-          </a:p>
-          <a:p>
+              <a:rPr lang="en-US"/>
+              <a:t>Parameters</a:t>
+            </a:r>
             <a:endParaRPr lang="en-US" dirty="0"/>
           </a:p>
         </p:txBody>
       </p:sp>
       <p:pic>
         <p:nvPicPr>
-          <p:cNvPr id="4" name="Picture 2" descr="Cartoon Whale Images - Free Download on Freepik">
-            <a:extLst>
-              <a:ext uri="{FF2B5EF4-FFF2-40B4-BE49-F238E27FC236}">
-                <a16:creationId xmlns:a16="http://schemas.microsoft.com/office/drawing/2014/main" id="{9AE9E422-73A7-453E-7ED0-128F34650AC4}"/>
+          <p:cNvPr id="4" name="Picture 3">
+            <a:extLst>
+              <a:ext uri="{FF2B5EF4-FFF2-40B4-BE49-F238E27FC236}">
+                <a16:creationId xmlns:a16="http://schemas.microsoft.com/office/drawing/2014/main" id="{B67B99F4-564F-3BDD-7796-C5FFE6E2EDE0}"/>
+              </a:ext>
+            </a:extLst>
+          </p:cNvPr>
+          <p:cNvPicPr>
+            <a:picLocks noChangeAspect="1"/>
+          </p:cNvPicPr>
+          <p:nvPr/>
+        </p:nvPicPr>
+        <p:blipFill>
+          <a:blip r:embed="rId2"/>
+          <a:stretch>
+            <a:fillRect/>
+          </a:stretch>
+        </p:blipFill>
+        <p:spPr>
+          <a:xfrm>
+            <a:off x="838200" y="1690688"/>
+            <a:ext cx="5880100" cy="2057400"/>
+          </a:xfrm>
+          <a:prstGeom prst="rect">
+            <a:avLst/>
+          </a:prstGeom>
+        </p:spPr>
+      </p:pic>
+      <p:pic>
+        <p:nvPicPr>
+          <p:cNvPr id="5" name="Picture 4">
+            <a:extLst>
+              <a:ext uri="{FF2B5EF4-FFF2-40B4-BE49-F238E27FC236}">
+                <a16:creationId xmlns:a16="http://schemas.microsoft.com/office/drawing/2014/main" id="{54D81590-CED4-CB65-247A-F18E4FB56CD6}"/>
+              </a:ext>
+            </a:extLst>
+          </p:cNvPr>
+          <p:cNvPicPr>
+            <a:picLocks noChangeAspect="1"/>
+          </p:cNvPicPr>
+          <p:nvPr/>
+        </p:nvPicPr>
+        <p:blipFill>
+          <a:blip r:embed="rId3"/>
+          <a:stretch>
+            <a:fillRect/>
+          </a:stretch>
+        </p:blipFill>
+        <p:spPr>
+          <a:xfrm>
+            <a:off x="2520176" y="3748088"/>
+            <a:ext cx="7772400" cy="2739269"/>
+          </a:xfrm>
+          <a:prstGeom prst="rect">
+            <a:avLst/>
+          </a:prstGeom>
+        </p:spPr>
+      </p:pic>
+      <p:pic>
+        <p:nvPicPr>
+          <p:cNvPr id="6" name="Picture 2" descr="Cartoon Whale Images - Free Download on Freepik">
+            <a:extLst>
+              <a:ext uri="{FF2B5EF4-FFF2-40B4-BE49-F238E27FC236}">
+                <a16:creationId xmlns:a16="http://schemas.microsoft.com/office/drawing/2014/main" id="{A452DBC1-AD2A-E978-7F24-955F70D7AC3A}"/>
               </a:ext>
             </a:extLst>
           </p:cNvPr>
@@ -5729,7 +6010,7 @@
           <p:nvPr/>
         </p:nvPicPr>
         <p:blipFill rotWithShape="1">
-          <a:blip r:embed="rId5">
+          <a:blip r:embed="rId4">
             <a:extLst>
               <a:ext uri="{28A0092B-C50C-407E-A947-70E740481C1C}">
                 <a14:useLocalDpi xmlns:a14="http://schemas.microsoft.com/office/drawing/2010/main" val="0"/>
@@ -5874,7 +6155,7 @@
     </p:spTree>
     <p:extLst>
       <p:ext uri="{BB962C8B-B14F-4D97-AF65-F5344CB8AC3E}">
-        <p14:creationId xmlns:p14="http://schemas.microsoft.com/office/powerpoint/2010/main" val="3360965088"/>
+        <p14:creationId xmlns:p14="http://schemas.microsoft.com/office/powerpoint/2010/main" val="1721117429"/>
       </p:ext>
     </p:extLst>
   </p:cSld>
@@ -5887,14 +6168,6 @@
 <file path=ppt/slides/slide9.xml><?xml version="1.0" encoding="utf-8"?>
 <p:sld xmlns:a="http://schemas.openxmlformats.org/drawingml/2006/main" xmlns:r="http://schemas.openxmlformats.org/officeDocument/2006/relationships" xmlns:p="http://schemas.openxmlformats.org/presentationml/2006/main">
   <p:cSld>
-    <p:bg>
-      <p:bgPr>
-        <a:solidFill>
-          <a:schemeClr val="bg1"/>
-        </a:solidFill>
-        <a:effectLst/>
-      </p:bgPr>
-    </p:bg>
     <p:spTree>
       <p:nvGrpSpPr>
         <p:cNvPr id="1" name=""/>
@@ -5914,7 +6187,7 @@
           <p:cNvPr id="2" name="Title 1">
             <a:extLst>
               <a:ext uri="{FF2B5EF4-FFF2-40B4-BE49-F238E27FC236}">
-                <a16:creationId xmlns:a16="http://schemas.microsoft.com/office/drawing/2014/main" id="{C69CC28B-9C91-60D8-27E4-D4F1313772CF}"/>
+                <a16:creationId xmlns:a16="http://schemas.microsoft.com/office/drawing/2014/main" id="{8F04C085-AB70-6822-347E-F3AEB79839A1}"/>
               </a:ext>
             </a:extLst>
           </p:cNvPr>
@@ -5925,17 +6198,82 @@
             <p:ph type="title"/>
           </p:nvPr>
         </p:nvSpPr>
-        <p:spPr>
-          <a:xfrm>
-            <a:off x="4965430" y="629268"/>
-            <a:ext cx="6586491" cy="1286160"/>
-          </a:xfrm>
-        </p:spPr>
-        <p:txBody>
-          <a:bodyPr anchor="b">
-            <a:normAutofit/>
-          </a:bodyPr>
+        <p:spPr/>
+        <p:txBody>
+          <a:bodyPr/>
           <a:lstStyle/>
+          <a:p>
+            <a:r>
+              <a:rPr lang="en-US" dirty="0"/>
+              <a:t>Links</a:t>
+            </a:r>
+          </a:p>
+        </p:txBody>
+      </p:sp>
+      <p:sp>
+        <p:nvSpPr>
+          <p:cNvPr id="3" name="Content Placeholder 2">
+            <a:extLst>
+              <a:ext uri="{FF2B5EF4-FFF2-40B4-BE49-F238E27FC236}">
+                <a16:creationId xmlns:a16="http://schemas.microsoft.com/office/drawing/2014/main" id="{82C58CF6-5080-9497-99A2-B285D258CB91}"/>
+              </a:ext>
+            </a:extLst>
+          </p:cNvPr>
+          <p:cNvSpPr>
+            <a:spLocks noGrp="1"/>
+          </p:cNvSpPr>
+          <p:nvPr>
+            <p:ph idx="1"/>
+          </p:nvPr>
+        </p:nvSpPr>
+        <p:spPr/>
+        <p:txBody>
+          <a:bodyPr/>
+          <a:lstStyle/>
+          <a:p>
+            <a:r>
+              <a:rPr lang="en-US" dirty="0" err="1"/>
+              <a:t>Vite</a:t>
+            </a:r>
+            <a:endParaRPr lang="en-US" dirty="0"/>
+          </a:p>
+          <a:p>
+            <a:pPr lvl="1"/>
+            <a:r>
+              <a:rPr lang="en-US" dirty="0">
+                <a:hlinkClick r:id="rId2"/>
+              </a:rPr>
+              <a:t>https://vitejs.dev/</a:t>
+            </a:r>
+            <a:endParaRPr lang="en-US" dirty="0"/>
+          </a:p>
+          <a:p>
+            <a:pPr lvl="1"/>
+            <a:r>
+              <a:rPr lang="en-US" dirty="0">
+                <a:hlinkClick r:id="rId3"/>
+              </a:rPr>
+              <a:t>https://vitejs.dev/guide/why.html</a:t>
+            </a:r>
+            <a:endParaRPr lang="en-US" dirty="0"/>
+          </a:p>
+          <a:p>
+            <a:r>
+              <a:rPr lang="en-US" dirty="0" err="1"/>
+              <a:t>SolidJS</a:t>
+            </a:r>
+            <a:endParaRPr lang="en-US" dirty="0"/>
+          </a:p>
+          <a:p>
+            <a:pPr lvl="1"/>
+            <a:r>
+              <a:rPr lang="en-US" dirty="0">
+                <a:hlinkClick r:id="rId4"/>
+              </a:rPr>
+              <a:t>https://www.solidjs.com/</a:t>
+            </a:r>
+            <a:endParaRPr lang="en-US" dirty="0"/>
+          </a:p>
           <a:p>
             <a:r>
               <a:rPr lang="en-US" dirty="0" err="1"/>
@@ -5943,143 +6281,28 @@
             </a:r>
             <a:endParaRPr lang="en-US" dirty="0"/>
           </a:p>
-        </p:txBody>
-      </p:sp>
-      <p:sp>
-        <p:nvSpPr>
-          <p:cNvPr id="3" name="Content Placeholder 2">
-            <a:extLst>
-              <a:ext uri="{FF2B5EF4-FFF2-40B4-BE49-F238E27FC236}">
-                <a16:creationId xmlns:a16="http://schemas.microsoft.com/office/drawing/2014/main" id="{61EB4D94-68DC-E8B8-7AF1-8A840AA4AFFA}"/>
-              </a:ext>
-            </a:extLst>
-          </p:cNvPr>
-          <p:cNvSpPr>
-            <a:spLocks noGrp="1"/>
-          </p:cNvSpPr>
-          <p:nvPr>
-            <p:ph idx="1"/>
-          </p:nvPr>
-        </p:nvSpPr>
-        <p:spPr>
-          <a:xfrm>
-            <a:off x="4965431" y="2438400"/>
-            <a:ext cx="6586489" cy="3785419"/>
-          </a:xfrm>
-        </p:spPr>
-        <p:txBody>
-          <a:bodyPr>
-            <a:normAutofit/>
-          </a:bodyPr>
-          <a:lstStyle/>
-          <a:p>
-            <a:pPr>
-              <a:buFont typeface="Arial" panose="020B0604020202020204" pitchFamily="34" charset="0"/>
-              <a:buChar char="•"/>
-            </a:pPr>
-            <a:r>
-              <a:rPr lang="en-IE" sz="1600" dirty="0"/>
-              <a:t>Fine-grained reactivity. Since </a:t>
-            </a:r>
-            <a:r>
-              <a:rPr lang="en-IE" sz="1600" dirty="0" err="1"/>
-              <a:t>SolidStart</a:t>
-            </a:r>
-            <a:r>
-              <a:rPr lang="en-IE" sz="1600" dirty="0"/>
-              <a:t> is a </a:t>
-            </a:r>
-            <a:r>
-              <a:rPr lang="en-IE" sz="1600" dirty="0" err="1"/>
-              <a:t>SolidJS</a:t>
-            </a:r>
-            <a:r>
-              <a:rPr lang="en-IE" sz="1600" dirty="0"/>
-              <a:t> meta-framework, it benefits from the fine-grained reactivity offered by </a:t>
-            </a:r>
-            <a:r>
-              <a:rPr lang="en-IE" sz="1600" dirty="0" err="1"/>
-              <a:t>SolidJS</a:t>
-            </a:r>
-            <a:r>
-              <a:rPr lang="en-IE" sz="1600" dirty="0"/>
-              <a:t>.</a:t>
-            </a:r>
-          </a:p>
-          <a:p>
-            <a:pPr>
-              <a:buFont typeface="Arial" panose="020B0604020202020204" pitchFamily="34" charset="0"/>
-              <a:buChar char="•"/>
-            </a:pPr>
-            <a:r>
-              <a:rPr lang="en-IE" sz="1600" dirty="0"/>
-              <a:t>Isomorphic, nested routing. You write the same routes regardless of whether the page is rendered on the client or server. Route nesting provides parent-child relationships that simplify application logic.</a:t>
-            </a:r>
-          </a:p>
-          <a:p>
-            <a:pPr>
-              <a:buFont typeface="Arial" panose="020B0604020202020204" pitchFamily="34" charset="0"/>
-              <a:buChar char="•"/>
-            </a:pPr>
-            <a:r>
-              <a:rPr lang="en-IE" sz="1600" dirty="0"/>
-              <a:t>Multiple rendering modes. </a:t>
-            </a:r>
-            <a:r>
-              <a:rPr lang="en-IE" sz="1600" dirty="0" err="1"/>
-              <a:t>SolidStart</a:t>
-            </a:r>
-            <a:r>
-              <a:rPr lang="en-IE" sz="1600" dirty="0"/>
-              <a:t> can be used to create CSR, SSR, streaming SSR, or SSG applications.</a:t>
-            </a:r>
-          </a:p>
-          <a:p>
-            <a:pPr>
-              <a:buFont typeface="Arial" panose="020B0604020202020204" pitchFamily="34" charset="0"/>
-              <a:buChar char="•"/>
-            </a:pPr>
-            <a:r>
-              <a:rPr lang="en-IE" sz="1600" dirty="0"/>
-              <a:t>Command Line Interface (CLI) and templates. Get up and running quickly with starters.</a:t>
-            </a:r>
-          </a:p>
-          <a:p>
-            <a:pPr>
-              <a:buFont typeface="Arial" panose="020B0604020202020204" pitchFamily="34" charset="0"/>
-              <a:buChar char="•"/>
-            </a:pPr>
-            <a:r>
-              <a:rPr lang="en-IE" sz="1600" dirty="0"/>
-              <a:t>Deployment adapters. </a:t>
-            </a:r>
-            <a:r>
-              <a:rPr lang="en-IE" sz="1600" dirty="0" err="1"/>
-              <a:t>SolidStart</a:t>
-            </a:r>
-            <a:r>
-              <a:rPr lang="en-IE" sz="1600" dirty="0"/>
-              <a:t> provides adapters to support deployment to your </a:t>
-            </a:r>
-            <a:r>
-              <a:rPr lang="en-IE" sz="1600" dirty="0" err="1"/>
-              <a:t>favorite</a:t>
-            </a:r>
-            <a:r>
-              <a:rPr lang="en-IE" sz="1600" dirty="0"/>
-              <a:t> platform—Netlify, </a:t>
-            </a:r>
-            <a:r>
-              <a:rPr lang="en-IE" sz="1600" dirty="0" err="1"/>
-              <a:t>Vercel</a:t>
-            </a:r>
-            <a:r>
-              <a:rPr lang="en-IE" sz="1600" dirty="0"/>
-              <a:t>, AWS, and Cloudflare, to name a few.</a:t>
-            </a:r>
-          </a:p>
-          <a:p>
-            <a:endParaRPr lang="en-US" sz="1600" dirty="0"/>
+          <a:p>
+            <a:pPr lvl="1"/>
+            <a:r>
+              <a:rPr lang="en-US" dirty="0"/>
+              <a:t>https://</a:t>
+            </a:r>
+            <a:r>
+              <a:rPr lang="en-US" dirty="0" err="1"/>
+              <a:t>start.solidjs.com</a:t>
+            </a:r>
+            <a:r>
+              <a:rPr lang="en-US" dirty="0"/>
+              <a:t>/getting-started/what-is-</a:t>
+            </a:r>
+            <a:r>
+              <a:rPr lang="en-US" dirty="0" err="1"/>
+              <a:t>solidstart</a:t>
+            </a:r>
+            <a:endParaRPr lang="en-US" dirty="0"/>
+          </a:p>
+          <a:p>
+            <a:endParaRPr lang="en-US" dirty="0"/>
           </a:p>
         </p:txBody>
       </p:sp>
@@ -6088,7 +6311,7 @@
           <p:cNvPr id="4" name="Picture 2" descr="Cartoon Whale Images - Free Download on Freepik">
             <a:extLst>
               <a:ext uri="{FF2B5EF4-FFF2-40B4-BE49-F238E27FC236}">
-                <a16:creationId xmlns:a16="http://schemas.microsoft.com/office/drawing/2014/main" id="{FAA69EAC-7087-CA30-7518-24AE8B26DB47}"/>
+                <a16:creationId xmlns:a16="http://schemas.microsoft.com/office/drawing/2014/main" id="{9AE9E422-73A7-453E-7ED0-128F34650AC4}"/>
               </a:ext>
             </a:extLst>
           </p:cNvPr>
@@ -6098,26 +6321,137 @@
           <p:nvPr/>
         </p:nvPicPr>
         <p:blipFill rotWithShape="1">
-          <a:blip r:embed="rId2">
+          <a:blip r:embed="rId5">
             <a:extLst>
               <a:ext uri="{28A0092B-C50C-407E-A947-70E740481C1C}">
                 <a14:useLocalDpi xmlns:a14="http://schemas.microsoft.com/office/drawing/2010/main" val="0"/>
               </a:ext>
             </a:extLst>
           </a:blip>
-          <a:srcRect l="16203" r="16203"/>
+          <a:srcRect t="302"/>
           <a:stretch/>
         </p:blipFill>
         <p:spPr bwMode="auto">
           <a:xfrm>
-            <a:off x="20" y="10"/>
-            <a:ext cx="4635571" cy="6857990"/>
+            <a:off x="10292576" y="4965834"/>
+            <a:ext cx="1897901" cy="1892166"/>
           </a:xfrm>
-          <a:prstGeom prst="rect">
+          <a:custGeom>
             <a:avLst/>
-          </a:prstGeom>
+            <a:gdLst/>
+            <a:ahLst/>
+            <a:cxnLst/>
+            <a:rect l="l" t="t" r="r" b="b"/>
+            <a:pathLst>
+              <a:path w="6878775" h="6858000">
+                <a:moveTo>
+                  <a:pt x="1102973" y="0"/>
+                </a:moveTo>
+                <a:lnTo>
+                  <a:pt x="1160688" y="0"/>
+                </a:lnTo>
+                <a:lnTo>
+                  <a:pt x="983189" y="331786"/>
+                </a:lnTo>
+                <a:cubicBezTo>
+                  <a:pt x="914866" y="469145"/>
+                  <a:pt x="850355" y="608712"/>
+                  <a:pt x="789261" y="750263"/>
+                </a:cubicBezTo>
+                <a:cubicBezTo>
+                  <a:pt x="774307" y="784928"/>
+                  <a:pt x="759992" y="819849"/>
+                  <a:pt x="745295" y="854514"/>
+                </a:cubicBezTo>
+                <a:cubicBezTo>
+                  <a:pt x="756682" y="845393"/>
+                  <a:pt x="765489" y="833492"/>
+                  <a:pt x="770857" y="819975"/>
+                </a:cubicBezTo>
+                <a:cubicBezTo>
+                  <a:pt x="879943" y="589569"/>
+                  <a:pt x="999605" y="365513"/>
+                  <a:pt x="1131329" y="148742"/>
+                </a:cubicBezTo>
+                <a:lnTo>
+                  <a:pt x="1227589" y="0"/>
+                </a:lnTo>
+                <a:lnTo>
+                  <a:pt x="6878775" y="0"/>
+                </a:lnTo>
+                <a:lnTo>
+                  <a:pt x="6878775" y="6858000"/>
+                </a:lnTo>
+                <a:lnTo>
+                  <a:pt x="713521" y="6858000"/>
+                </a:lnTo>
+                <a:lnTo>
+                  <a:pt x="625642" y="6670527"/>
+                </a:lnTo>
+                <a:cubicBezTo>
+                  <a:pt x="507232" y="6398531"/>
+                  <a:pt x="403083" y="6118381"/>
+                  <a:pt x="312785" y="5830359"/>
+                </a:cubicBezTo>
+                <a:cubicBezTo>
+                  <a:pt x="278149" y="5719759"/>
+                  <a:pt x="248879" y="5607635"/>
+                  <a:pt x="212198" y="5480401"/>
+                </a:cubicBezTo>
+                <a:cubicBezTo>
+                  <a:pt x="212208" y="5491601"/>
+                  <a:pt x="212803" y="5502788"/>
+                  <a:pt x="213988" y="5513923"/>
+                </a:cubicBezTo>
+                <a:cubicBezTo>
+                  <a:pt x="264089" y="5723695"/>
+                  <a:pt x="307290" y="5935370"/>
+                  <a:pt x="365826" y="6142729"/>
+                </a:cubicBezTo>
+                <a:cubicBezTo>
+                  <a:pt x="433152" y="6380817"/>
+                  <a:pt x="510068" y="6614016"/>
+                  <a:pt x="597975" y="6841549"/>
+                </a:cubicBezTo>
+                <a:lnTo>
+                  <a:pt x="604824" y="6858000"/>
+                </a:lnTo>
+                <a:lnTo>
+                  <a:pt x="552056" y="6858000"/>
+                </a:lnTo>
+                <a:lnTo>
+                  <a:pt x="539576" y="6828295"/>
+                </a:lnTo>
+                <a:cubicBezTo>
+                  <a:pt x="380597" y="6414594"/>
+                  <a:pt x="260223" y="5988893"/>
+                  <a:pt x="171555" y="5552906"/>
+                </a:cubicBezTo>
+                <a:cubicBezTo>
+                  <a:pt x="91163" y="5157998"/>
+                  <a:pt x="43746" y="4758899"/>
+                  <a:pt x="12305" y="4357388"/>
+                </a:cubicBezTo>
+                <a:cubicBezTo>
+                  <a:pt x="-14281" y="4013908"/>
+                  <a:pt x="4507" y="3672965"/>
+                  <a:pt x="46684" y="3331516"/>
+                </a:cubicBezTo>
+                <a:cubicBezTo>
+                  <a:pt x="127203" y="2664286"/>
+                  <a:pt x="277819" y="2007265"/>
+                  <a:pt x="496065" y="1371196"/>
+                </a:cubicBezTo>
+                <a:cubicBezTo>
+                  <a:pt x="636273" y="966066"/>
+                  <a:pt x="800445" y="573253"/>
+                  <a:pt x="995723" y="196614"/>
+                </a:cubicBezTo>
+                <a:close/>
+              </a:path>
+            </a:pathLst>
+          </a:custGeom>
           <a:noFill/>
-          <a:effectLst/>
           <a:extLst>
             <a:ext uri="{909E8E84-426E-40DD-AFC4-6F175D3DCCD1}">
               <a14:hiddenFill xmlns:a14="http://schemas.microsoft.com/office/drawing/2010/main">
@@ -6129,62 +6463,10 @@
           </a:extLst>
         </p:spPr>
       </p:pic>
-      <p:cxnSp>
-        <p:nvCxnSpPr>
-          <p:cNvPr id="9" name="Straight Connector 8">
-            <a:extLst>
-              <a:ext uri="{FF2B5EF4-FFF2-40B4-BE49-F238E27FC236}">
-                <a16:creationId xmlns:a16="http://schemas.microsoft.com/office/drawing/2014/main" id="{A7F400EE-A8A5-48AF-B4D6-291B52C6F0B0}"/>
-              </a:ext>
-              <a:ext uri="{C183D7F6-B498-43B3-948B-1728B52AA6E4}">
-                <adec:decorative xmlns:adec="http://schemas.microsoft.com/office/drawing/2017/decorative" val="1"/>
-              </a:ext>
-            </a:extLst>
-          </p:cNvPr>
-          <p:cNvCxnSpPr>
-            <a:cxnSpLocks noGrp="1" noRot="1" noChangeAspect="1" noMove="1" noResize="1" noEditPoints="1" noAdjustHandles="1" noChangeArrowheads="1" noChangeShapeType="1"/>
-          </p:cNvCxnSpPr>
-          <p:nvPr>
-            <p:extLst>
-              <p:ext uri="{386F3935-93C4-4BCD-93E2-E3B085C9AB24}">
-                <p16:designElem xmlns:p16="http://schemas.microsoft.com/office/powerpoint/2015/main" val="1"/>
-              </p:ext>
-            </p:extLst>
-          </p:nvPr>
-        </p:nvCxnSpPr>
-        <p:spPr>
-          <a:xfrm>
-            <a:off x="5080934" y="2115117"/>
-            <a:ext cx="6309360" cy="0"/>
-          </a:xfrm>
-          <a:prstGeom prst="line">
-            <a:avLst/>
-          </a:prstGeom>
-          <a:ln w="19050">
-            <a:solidFill>
-              <a:srgbClr val="FF1F85"/>
-            </a:solidFill>
-          </a:ln>
-        </p:spPr>
-        <p:style>
-          <a:lnRef idx="1">
-            <a:schemeClr val="accent1"/>
-          </a:lnRef>
-          <a:fillRef idx="0">
-            <a:schemeClr val="accent1"/>
-          </a:fillRef>
-          <a:effectRef idx="0">
-            <a:schemeClr val="accent1"/>
-          </a:effectRef>
-          <a:fontRef idx="minor">
-            <a:schemeClr val="tx1"/>
-          </a:fontRef>
-        </p:style>
-      </p:cxnSp>
     </p:spTree>
     <p:extLst>
       <p:ext uri="{BB962C8B-B14F-4D97-AF65-F5344CB8AC3E}">
-        <p14:creationId xmlns:p14="http://schemas.microsoft.com/office/powerpoint/2010/main" val="3594967397"/>
+        <p14:creationId xmlns:p14="http://schemas.microsoft.com/office/powerpoint/2010/main" val="3360965088"/>
       </p:ext>
     </p:extLst>
   </p:cSld>
